--- a/saved-figures/main/PowerPoint-join-figures/CreateFig2.pptx
+++ b/saved-figures/main/PowerPoint-join-figures/CreateFig2.pptx
@@ -288,7 +288,7 @@
           <a:p>
             <a:fld id="{86845496-2350-A64D-AABB-582E851A7D02}" type="datetimeFigureOut">
               <a:rPr lang="en-US" smtClean="0"/>
-              <a:t>30/06/19</a:t>
+              <a:t>26/01/20</a:t>
             </a:fld>
             <a:endParaRPr lang="en-GB"/>
           </a:p>
@@ -458,7 +458,7 @@
           <a:p>
             <a:fld id="{86845496-2350-A64D-AABB-582E851A7D02}" type="datetimeFigureOut">
               <a:rPr lang="en-US" smtClean="0"/>
-              <a:t>30/06/19</a:t>
+              <a:t>26/01/20</a:t>
             </a:fld>
             <a:endParaRPr lang="en-GB"/>
           </a:p>
@@ -638,7 +638,7 @@
           <a:p>
             <a:fld id="{86845496-2350-A64D-AABB-582E851A7D02}" type="datetimeFigureOut">
               <a:rPr lang="en-US" smtClean="0"/>
-              <a:t>30/06/19</a:t>
+              <a:t>26/01/20</a:t>
             </a:fld>
             <a:endParaRPr lang="en-GB"/>
           </a:p>
@@ -808,7 +808,7 @@
           <a:p>
             <a:fld id="{86845496-2350-A64D-AABB-582E851A7D02}" type="datetimeFigureOut">
               <a:rPr lang="en-US" smtClean="0"/>
-              <a:t>30/06/19</a:t>
+              <a:t>26/01/20</a:t>
             </a:fld>
             <a:endParaRPr lang="en-GB"/>
           </a:p>
@@ -1054,7 +1054,7 @@
           <a:p>
             <a:fld id="{86845496-2350-A64D-AABB-582E851A7D02}" type="datetimeFigureOut">
               <a:rPr lang="en-US" smtClean="0"/>
-              <a:t>30/06/19</a:t>
+              <a:t>26/01/20</a:t>
             </a:fld>
             <a:endParaRPr lang="en-GB"/>
           </a:p>
@@ -1342,7 +1342,7 @@
           <a:p>
             <a:fld id="{86845496-2350-A64D-AABB-582E851A7D02}" type="datetimeFigureOut">
               <a:rPr lang="en-US" smtClean="0"/>
-              <a:t>30/06/19</a:t>
+              <a:t>26/01/20</a:t>
             </a:fld>
             <a:endParaRPr lang="en-GB"/>
           </a:p>
@@ -1764,7 +1764,7 @@
           <a:p>
             <a:fld id="{86845496-2350-A64D-AABB-582E851A7D02}" type="datetimeFigureOut">
               <a:rPr lang="en-US" smtClean="0"/>
-              <a:t>30/06/19</a:t>
+              <a:t>26/01/20</a:t>
             </a:fld>
             <a:endParaRPr lang="en-GB"/>
           </a:p>
@@ -1882,7 +1882,7 @@
           <a:p>
             <a:fld id="{86845496-2350-A64D-AABB-582E851A7D02}" type="datetimeFigureOut">
               <a:rPr lang="en-US" smtClean="0"/>
-              <a:t>30/06/19</a:t>
+              <a:t>26/01/20</a:t>
             </a:fld>
             <a:endParaRPr lang="en-GB"/>
           </a:p>
@@ -1977,7 +1977,7 @@
           <a:p>
             <a:fld id="{86845496-2350-A64D-AABB-582E851A7D02}" type="datetimeFigureOut">
               <a:rPr lang="en-US" smtClean="0"/>
-              <a:t>30/06/19</a:t>
+              <a:t>26/01/20</a:t>
             </a:fld>
             <a:endParaRPr lang="en-GB"/>
           </a:p>
@@ -2254,7 +2254,7 @@
           <a:p>
             <a:fld id="{86845496-2350-A64D-AABB-582E851A7D02}" type="datetimeFigureOut">
               <a:rPr lang="en-US" smtClean="0"/>
-              <a:t>30/06/19</a:t>
+              <a:t>26/01/20</a:t>
             </a:fld>
             <a:endParaRPr lang="en-GB"/>
           </a:p>
@@ -2507,7 +2507,7 @@
           <a:p>
             <a:fld id="{86845496-2350-A64D-AABB-582E851A7D02}" type="datetimeFigureOut">
               <a:rPr lang="en-US" smtClean="0"/>
-              <a:t>30/06/19</a:t>
+              <a:t>26/01/20</a:t>
             </a:fld>
             <a:endParaRPr lang="en-GB"/>
           </a:p>
@@ -2720,7 +2720,7 @@
           <a:p>
             <a:fld id="{86845496-2350-A64D-AABB-582E851A7D02}" type="datetimeFigureOut">
               <a:rPr lang="en-US" smtClean="0"/>
-              <a:t>30/06/19</a:t>
+              <a:t>26/01/20</a:t>
             </a:fld>
             <a:endParaRPr lang="en-GB"/>
           </a:p>
@@ -3111,7 +3111,7 @@
         </p:grpSpPr>
         <p:pic>
           <p:nvPicPr>
-            <p:cNvPr id="4" name="Picture 3" descr="Main_Figure2left.pdf"/>
+            <p:cNvPr id="4" name="Picture 3"/>
             <p:cNvPicPr>
               <a:picLocks noChangeAspect="1"/>
             </p:cNvPicPr>
@@ -3132,7 +3132,7 @@
           <p:spPr>
             <a:xfrm>
               <a:off x="-5091038" y="0"/>
-              <a:ext cx="6395784" cy="6858000"/>
+              <a:ext cx="6395783" cy="6858000"/>
             </a:xfrm>
             <a:prstGeom prst="rect">
               <a:avLst/>
@@ -3141,7 +3141,7 @@
         </p:pic>
         <p:pic>
           <p:nvPicPr>
-            <p:cNvPr id="5" name="Picture 4" descr="Main_Figure2right.pdf"/>
+            <p:cNvPr id="5" name="Picture 4"/>
             <p:cNvPicPr>
               <a:picLocks noChangeAspect="1"/>
             </p:cNvPicPr>
@@ -3162,7 +3162,7 @@
           <p:spPr>
             <a:xfrm>
               <a:off x="1304746" y="0"/>
-              <a:ext cx="7309467" cy="6858000"/>
+              <a:ext cx="7309467" cy="6857999"/>
             </a:xfrm>
             <a:prstGeom prst="rect">
               <a:avLst/>
